--- a/Slides/5 - React Application Architectures with Redux and Flux.pptx
+++ b/Slides/5 - React Application Architectures with Redux and Flux.pptx
@@ -10,9 +10,9 @@
   <p:sldIdLst>
     <p:sldId id="451" r:id="rId2"/>
     <p:sldId id="463" r:id="rId3"/>
-    <p:sldId id="470" r:id="rId4"/>
+    <p:sldId id="469" r:id="rId4"/>
     <p:sldId id="466" r:id="rId5"/>
-    <p:sldId id="469" r:id="rId6"/>
+    <p:sldId id="470" r:id="rId6"/>
     <p:sldId id="450" r:id="rId7"/>
   </p:sldIdLst>
   <p:sldSz cx="12192000" cy="6858000"/>
@@ -119,9 +119,9 @@
           <p14:sldIdLst>
             <p14:sldId id="451"/>
             <p14:sldId id="463"/>
+            <p14:sldId id="469"/>
+            <p14:sldId id="466"/>
             <p14:sldId id="470"/>
-            <p14:sldId id="466"/>
-            <p14:sldId id="469"/>
             <p14:sldId id="450"/>
           </p14:sldIdLst>
         </p14:section>
@@ -3375,8 +3375,8 @@
           <a:lstStyle/>
           <a:p>
             <a:r>
-              <a:rPr lang="en-US" smtClean="0"/>
-              <a:t>Redux</a:t>
+              <a:rPr lang="en-US" dirty="0" smtClean="0"/>
+              <a:t>Flux</a:t>
             </a:r>
             <a:endParaRPr lang="en-US" dirty="0"/>
           </a:p>
@@ -3385,7 +3385,7 @@
     </p:spTree>
     <p:extLst>
       <p:ext uri="{BB962C8B-B14F-4D97-AF65-F5344CB8AC3E}">
-        <p14:creationId xmlns:p14="http://schemas.microsoft.com/office/powerpoint/2010/main" val="1968364158"/>
+        <p14:creationId xmlns:p14="http://schemas.microsoft.com/office/powerpoint/2010/main" val="772455720"/>
       </p:ext>
     </p:extLst>
   </p:cSld>
@@ -3507,8 +3507,8 @@
           <a:lstStyle/>
           <a:p>
             <a:r>
-              <a:rPr lang="en-US" dirty="0" smtClean="0"/>
-              <a:t>Flux</a:t>
+              <a:rPr lang="en-US" smtClean="0"/>
+              <a:t>Redux</a:t>
             </a:r>
             <a:endParaRPr lang="en-US" dirty="0"/>
           </a:p>
@@ -3517,7 +3517,7 @@
     </p:spTree>
     <p:extLst>
       <p:ext uri="{BB962C8B-B14F-4D97-AF65-F5344CB8AC3E}">
-        <p14:creationId xmlns:p14="http://schemas.microsoft.com/office/powerpoint/2010/main" val="772455720"/>
+        <p14:creationId xmlns:p14="http://schemas.microsoft.com/office/powerpoint/2010/main" val="1968364158"/>
       </p:ext>
     </p:extLst>
   </p:cSld>

--- a/Slides/5 - React Application Architectures with Redux and Flux.pptx
+++ b/Slides/5 - React Application Architectures with Redux and Flux.pptx
@@ -10,9 +10,9 @@
   <p:sldIdLst>
     <p:sldId id="451" r:id="rId2"/>
     <p:sldId id="463" r:id="rId3"/>
-    <p:sldId id="469" r:id="rId4"/>
+    <p:sldId id="467" r:id="rId4"/>
     <p:sldId id="466" r:id="rId5"/>
-    <p:sldId id="470" r:id="rId6"/>
+    <p:sldId id="468" r:id="rId6"/>
     <p:sldId id="450" r:id="rId7"/>
   </p:sldIdLst>
   <p:sldSz cx="12192000" cy="6858000"/>
@@ -119,9 +119,9 @@
           <p14:sldIdLst>
             <p14:sldId id="451"/>
             <p14:sldId id="463"/>
-            <p14:sldId id="469"/>
+            <p14:sldId id="467"/>
             <p14:sldId id="466"/>
-            <p14:sldId id="470"/>
+            <p14:sldId id="468"/>
             <p14:sldId id="450"/>
           </p14:sldIdLst>
         </p14:section>
@@ -222,7 +222,7 @@
           <a:p>
             <a:fld id="{A9DDBD42-E139-45FA-9C16-1611187CAC3F}" type="datetimeFigureOut">
               <a:rPr lang="en-US" smtClean="0"/>
-              <a:t>10/18/2015</a:t>
+              <a:t>10/21/2015</a:t>
             </a:fld>
             <a:endParaRPr lang="en-US"/>
           </a:p>
@@ -3359,39 +3359,53 @@
           <a:chExt cx="0" cy="0"/>
         </a:xfrm>
       </p:grpSpPr>
-      <p:sp>
-        <p:nvSpPr>
-          <p:cNvPr id="2" name="Title 1"/>
-          <p:cNvSpPr>
-            <a:spLocks noGrp="1"/>
-          </p:cNvSpPr>
-          <p:nvPr>
-            <p:ph type="title"/>
-          </p:nvPr>
-        </p:nvSpPr>
-        <p:spPr/>
-        <p:txBody>
-          <a:bodyPr/>
-          <a:lstStyle/>
-          <a:p>
-            <a:r>
-              <a:rPr lang="en-US" dirty="0" smtClean="0"/>
-              <a:t>Flux</a:t>
-            </a:r>
-            <a:endParaRPr lang="en-US" dirty="0"/>
-          </a:p>
-        </p:txBody>
-      </p:sp>
+      <p:pic>
+        <p:nvPicPr>
+          <p:cNvPr id="2" name="Picture 1"/>
+          <p:cNvPicPr>
+            <a:picLocks noChangeAspect="1"/>
+          </p:cNvPicPr>
+          <p:nvPr/>
+        </p:nvPicPr>
+        <p:blipFill>
+          <a:blip r:embed="rId2">
+            <a:extLst>
+              <a:ext uri="{28A0092B-C50C-407E-A947-70E740481C1C}">
+                <a14:useLocalDpi xmlns:a14="http://schemas.microsoft.com/office/drawing/2010/main" val="0"/>
+              </a:ext>
+            </a:extLst>
+          </a:blip>
+          <a:stretch>
+            <a:fillRect/>
+          </a:stretch>
+        </p:blipFill>
+        <p:spPr>
+          <a:xfrm>
+            <a:off x="0" y="394842"/>
+            <a:ext cx="12192000" cy="6068316"/>
+          </a:xfrm>
+          <a:prstGeom prst="rect">
+            <a:avLst/>
+          </a:prstGeom>
+        </p:spPr>
+      </p:pic>
     </p:spTree>
     <p:extLst>
       <p:ext uri="{BB962C8B-B14F-4D97-AF65-F5344CB8AC3E}">
-        <p14:creationId xmlns:p14="http://schemas.microsoft.com/office/powerpoint/2010/main" val="772455720"/>
+        <p14:creationId xmlns:p14="http://schemas.microsoft.com/office/powerpoint/2010/main" val="2886180246"/>
       </p:ext>
     </p:extLst>
   </p:cSld>
   <p:clrMapOvr>
     <a:masterClrMapping/>
   </p:clrMapOvr>
+  <p:timing>
+    <p:tnLst>
+      <p:par>
+        <p:cTn id="1" dur="indefinite" restart="never" nodeType="tmRoot"/>
+      </p:par>
+    </p:tnLst>
+  </p:timing>
 </p:sld>
 </file>
 
@@ -3491,39 +3505,53 @@
           <a:chExt cx="0" cy="0"/>
         </a:xfrm>
       </p:grpSpPr>
-      <p:sp>
-        <p:nvSpPr>
-          <p:cNvPr id="2" name="Title 1"/>
-          <p:cNvSpPr>
-            <a:spLocks noGrp="1"/>
-          </p:cNvSpPr>
-          <p:nvPr>
-            <p:ph type="title"/>
-          </p:nvPr>
-        </p:nvSpPr>
-        <p:spPr/>
-        <p:txBody>
-          <a:bodyPr/>
-          <a:lstStyle/>
-          <a:p>
-            <a:r>
-              <a:rPr lang="en-US" smtClean="0"/>
-              <a:t>Redux</a:t>
-            </a:r>
-            <a:endParaRPr lang="en-US" dirty="0"/>
-          </a:p>
-        </p:txBody>
-      </p:sp>
+      <p:pic>
+        <p:nvPicPr>
+          <p:cNvPr id="4" name="Picture 3"/>
+          <p:cNvPicPr>
+            <a:picLocks noChangeAspect="1"/>
+          </p:cNvPicPr>
+          <p:nvPr/>
+        </p:nvPicPr>
+        <p:blipFill>
+          <a:blip r:embed="rId2">
+            <a:extLst>
+              <a:ext uri="{28A0092B-C50C-407E-A947-70E740481C1C}">
+                <a14:useLocalDpi xmlns:a14="http://schemas.microsoft.com/office/drawing/2010/main" val="0"/>
+              </a:ext>
+            </a:extLst>
+          </a:blip>
+          <a:stretch>
+            <a:fillRect/>
+          </a:stretch>
+        </p:blipFill>
+        <p:spPr>
+          <a:xfrm>
+            <a:off x="2400300" y="152400"/>
+            <a:ext cx="7391400" cy="6553200"/>
+          </a:xfrm>
+          <a:prstGeom prst="rect">
+            <a:avLst/>
+          </a:prstGeom>
+        </p:spPr>
+      </p:pic>
     </p:spTree>
     <p:extLst>
       <p:ext uri="{BB962C8B-B14F-4D97-AF65-F5344CB8AC3E}">
-        <p14:creationId xmlns:p14="http://schemas.microsoft.com/office/powerpoint/2010/main" val="1968364158"/>
+        <p14:creationId xmlns:p14="http://schemas.microsoft.com/office/powerpoint/2010/main" val="1300664580"/>
       </p:ext>
     </p:extLst>
   </p:cSld>
   <p:clrMapOvr>
     <a:masterClrMapping/>
   </p:clrMapOvr>
+  <p:timing>
+    <p:tnLst>
+      <p:par>
+        <p:cTn id="1" dur="indefinite" restart="never" nodeType="tmRoot"/>
+      </p:par>
+    </p:tnLst>
+  </p:timing>
 </p:sld>
 </file>
 
